--- a/docs/images/k8s-ecosystem-k8s-cluster/architecture.pptx
+++ b/docs/images/k8s-ecosystem-k8s-cluster/architecture.pptx
@@ -288,7 +288,7 @@
           <a:p>
             <a:fld id="{388BD72A-C37C-489F-BE19-E9D8AEBBA5DC}" type="datetimeFigureOut">
               <a:rPr kumimoji="1" lang="ja-JP" altLang="en-US" smtClean="0"/>
-              <a:t>2019/6/20</a:t>
+              <a:t>2019/6/24</a:t>
             </a:fld>
             <a:endParaRPr kumimoji="1" lang="ja-JP" altLang="en-US"/>
           </a:p>
@@ -490,7 +490,7 @@
           <a:p>
             <a:fld id="{388BD72A-C37C-489F-BE19-E9D8AEBBA5DC}" type="datetimeFigureOut">
               <a:rPr kumimoji="1" lang="ja-JP" altLang="en-US" smtClean="0"/>
-              <a:t>2019/6/20</a:t>
+              <a:t>2019/6/24</a:t>
             </a:fld>
             <a:endParaRPr kumimoji="1" lang="ja-JP" altLang="en-US"/>
           </a:p>
@@ -702,7 +702,7 @@
           <a:p>
             <a:fld id="{388BD72A-C37C-489F-BE19-E9D8AEBBA5DC}" type="datetimeFigureOut">
               <a:rPr kumimoji="1" lang="ja-JP" altLang="en-US" smtClean="0"/>
-              <a:t>2019/6/20</a:t>
+              <a:t>2019/6/24</a:t>
             </a:fld>
             <a:endParaRPr kumimoji="1" lang="ja-JP" altLang="en-US"/>
           </a:p>
@@ -904,7 +904,7 @@
           <a:p>
             <a:fld id="{388BD72A-C37C-489F-BE19-E9D8AEBBA5DC}" type="datetimeFigureOut">
               <a:rPr kumimoji="1" lang="ja-JP" altLang="en-US" smtClean="0"/>
-              <a:t>2019/6/20</a:t>
+              <a:t>2019/6/24</a:t>
             </a:fld>
             <a:endParaRPr kumimoji="1" lang="ja-JP" altLang="en-US"/>
           </a:p>
@@ -1150,7 +1150,7 @@
           <a:p>
             <a:fld id="{388BD72A-C37C-489F-BE19-E9D8AEBBA5DC}" type="datetimeFigureOut">
               <a:rPr kumimoji="1" lang="ja-JP" altLang="en-US" smtClean="0"/>
-              <a:t>2019/6/20</a:t>
+              <a:t>2019/6/24</a:t>
             </a:fld>
             <a:endParaRPr kumimoji="1" lang="ja-JP" altLang="en-US"/>
           </a:p>
@@ -1502,7 +1502,7 @@
           <a:p>
             <a:fld id="{388BD72A-C37C-489F-BE19-E9D8AEBBA5DC}" type="datetimeFigureOut">
               <a:rPr kumimoji="1" lang="ja-JP" altLang="en-US" smtClean="0"/>
-              <a:t>2019/6/20</a:t>
+              <a:t>2019/6/24</a:t>
             </a:fld>
             <a:endParaRPr kumimoji="1" lang="ja-JP" altLang="en-US"/>
           </a:p>
@@ -1988,7 +1988,7 @@
           <a:p>
             <a:fld id="{388BD72A-C37C-489F-BE19-E9D8AEBBA5DC}" type="datetimeFigureOut">
               <a:rPr kumimoji="1" lang="ja-JP" altLang="en-US" smtClean="0"/>
-              <a:t>2019/6/20</a:t>
+              <a:t>2019/6/24</a:t>
             </a:fld>
             <a:endParaRPr kumimoji="1" lang="ja-JP" altLang="en-US"/>
           </a:p>
@@ -2106,7 +2106,7 @@
           <a:p>
             <a:fld id="{388BD72A-C37C-489F-BE19-E9D8AEBBA5DC}" type="datetimeFigureOut">
               <a:rPr kumimoji="1" lang="ja-JP" altLang="en-US" smtClean="0"/>
-              <a:t>2019/6/20</a:t>
+              <a:t>2019/6/24</a:t>
             </a:fld>
             <a:endParaRPr kumimoji="1" lang="ja-JP" altLang="en-US"/>
           </a:p>
@@ -2201,7 +2201,7 @@
           <a:p>
             <a:fld id="{388BD72A-C37C-489F-BE19-E9D8AEBBA5DC}" type="datetimeFigureOut">
               <a:rPr kumimoji="1" lang="ja-JP" altLang="en-US" smtClean="0"/>
-              <a:t>2019/6/20</a:t>
+              <a:t>2019/6/24</a:t>
             </a:fld>
             <a:endParaRPr kumimoji="1" lang="ja-JP" altLang="en-US"/>
           </a:p>
@@ -2510,7 +2510,7 @@
           <a:p>
             <a:fld id="{388BD72A-C37C-489F-BE19-E9D8AEBBA5DC}" type="datetimeFigureOut">
               <a:rPr kumimoji="1" lang="ja-JP" altLang="en-US" smtClean="0"/>
-              <a:t>2019/6/20</a:t>
+              <a:t>2019/6/24</a:t>
             </a:fld>
             <a:endParaRPr kumimoji="1" lang="ja-JP" altLang="en-US"/>
           </a:p>
@@ -2763,7 +2763,7 @@
           <a:p>
             <a:fld id="{388BD72A-C37C-489F-BE19-E9D8AEBBA5DC}" type="datetimeFigureOut">
               <a:rPr kumimoji="1" lang="ja-JP" altLang="en-US" smtClean="0"/>
-              <a:t>2019/6/20</a:t>
+              <a:t>2019/6/24</a:t>
             </a:fld>
             <a:endParaRPr kumimoji="1" lang="ja-JP" altLang="en-US"/>
           </a:p>
@@ -3008,7 +3008,7 @@
           <a:p>
             <a:fld id="{388BD72A-C37C-489F-BE19-E9D8AEBBA5DC}" type="datetimeFigureOut">
               <a:rPr kumimoji="1" lang="ja-JP" altLang="en-US" smtClean="0"/>
-              <a:t>2019/6/20</a:t>
+              <a:t>2019/6/24</a:t>
             </a:fld>
             <a:endParaRPr kumimoji="1" lang="ja-JP" altLang="en-US"/>
           </a:p>
@@ -3863,43 +3863,6 @@
           </a:p>
         </p:txBody>
       </p:sp>
-      <p:cxnSp>
-        <p:nvCxnSpPr>
-          <p:cNvPr id="45" name="カギ線コネクタ 44"/>
-          <p:cNvCxnSpPr>
-            <a:stCxn id="8" idx="0"/>
-            <a:endCxn id="17" idx="2"/>
-          </p:cNvCxnSpPr>
-          <p:nvPr/>
-        </p:nvCxnSpPr>
-        <p:spPr>
-          <a:xfrm rot="5400000" flipH="1" flipV="1">
-            <a:off x="5015832" y="1206476"/>
-            <a:ext cx="745673" cy="1951623"/>
-          </a:xfrm>
-          <a:prstGeom prst="bentConnector2">
-            <a:avLst/>
-          </a:prstGeom>
-          <a:ln>
-            <a:tailEnd type="triangle"/>
-          </a:ln>
-          <a:effectLst/>
-        </p:spPr>
-        <p:style>
-          <a:lnRef idx="3">
-            <a:schemeClr val="accent3"/>
-          </a:lnRef>
-          <a:fillRef idx="0">
-            <a:schemeClr val="accent3"/>
-          </a:fillRef>
-          <a:effectRef idx="2">
-            <a:schemeClr val="accent3"/>
-          </a:effectRef>
-          <a:fontRef idx="minor">
-            <a:schemeClr val="tx1"/>
-          </a:fontRef>
-        </p:style>
-      </p:cxnSp>
       <p:sp>
         <p:nvSpPr>
           <p:cNvPr id="48" name="角丸四角形 47"/>
@@ -4399,7 +4362,7 @@
         </p:nvGrpSpPr>
         <p:grpSpPr>
           <a:xfrm>
-            <a:off x="7359816" y="1377402"/>
+            <a:off x="7359816" y="1772816"/>
             <a:ext cx="1028608" cy="864096"/>
             <a:chOff x="447048" y="546512"/>
             <a:chExt cx="1028608" cy="864096"/>
@@ -4763,88 +4726,23 @@
           </p:sp>
         </p:grpSp>
       </p:grpSp>
-      <p:sp>
-        <p:nvSpPr>
-          <p:cNvPr id="17" name="フローチャート : 和接合 16"/>
-          <p:cNvSpPr/>
-          <p:nvPr/>
-        </p:nvSpPr>
-        <p:spPr>
-          <a:xfrm>
-            <a:off x="6364480" y="1503450"/>
-            <a:ext cx="612000" cy="612000"/>
-          </a:xfrm>
-          <a:prstGeom prst="flowChartSummingJunction">
-            <a:avLst/>
-          </a:prstGeom>
-          <a:solidFill>
-            <a:schemeClr val="tx1">
-              <a:lumMod val="50000"/>
-              <a:lumOff val="50000"/>
-            </a:schemeClr>
-          </a:solidFill>
-          <a:ln cap="rnd">
-            <a:solidFill>
-              <a:schemeClr val="bg1">
-                <a:lumMod val="65000"/>
-              </a:schemeClr>
-            </a:solidFill>
-          </a:ln>
-        </p:spPr>
-        <p:style>
-          <a:lnRef idx="2">
-            <a:schemeClr val="accent1">
-              <a:shade val="50000"/>
-            </a:schemeClr>
-          </a:lnRef>
-          <a:fillRef idx="1">
-            <a:schemeClr val="accent1"/>
-          </a:fillRef>
-          <a:effectRef idx="0">
-            <a:schemeClr val="accent1"/>
-          </a:effectRef>
-          <a:fontRef idx="minor">
-            <a:schemeClr val="lt1"/>
-          </a:fontRef>
-        </p:style>
-        <p:txBody>
-          <a:bodyPr rtlCol="0" anchor="ctr"/>
-          <a:lstStyle/>
-          <a:p>
-            <a:pPr algn="ctr"/>
-            <a:r>
-              <a:rPr lang="en-US" altLang="ja-JP" sz="2000" dirty="0" smtClean="0">
-                <a:latin typeface="Impact" panose="020B0806030902050204" pitchFamily="34" charset="0"/>
-                <a:ea typeface="Arial Unicode MS" panose="020B0604020202020204" pitchFamily="50" charset="-128"/>
-                <a:cs typeface="Arial Unicode MS" panose="020B0604020202020204" pitchFamily="50" charset="-128"/>
-              </a:rPr>
-              <a:t>LB</a:t>
-            </a:r>
-            <a:endParaRPr lang="ja-JP" altLang="en-US" sz="2000" dirty="0">
-              <a:latin typeface="Impact" panose="020B0806030902050204" pitchFamily="34" charset="0"/>
-              <a:ea typeface="Arial Unicode MS" panose="020B0604020202020204" pitchFamily="50" charset="-128"/>
-              <a:cs typeface="Arial Unicode MS" panose="020B0604020202020204" pitchFamily="50" charset="-128"/>
-            </a:endParaRPr>
-          </a:p>
-        </p:txBody>
-      </p:sp>
       <p:cxnSp>
         <p:nvCxnSpPr>
           <p:cNvPr id="56" name="カギ線コネクタ 55"/>
           <p:cNvCxnSpPr>
-            <a:stCxn id="17" idx="0"/>
+            <a:stCxn id="8" idx="0"/>
             <a:endCxn id="37" idx="2"/>
           </p:cNvCxnSpPr>
           <p:nvPr/>
         </p:nvCxnSpPr>
         <p:spPr>
           <a:xfrm rot="5400000" flipH="1" flipV="1">
-            <a:off x="6524866" y="1239886"/>
-            <a:ext cx="409178" cy="117951"/>
+            <a:off x="4870219" y="636911"/>
+            <a:ext cx="1460851" cy="2375574"/>
           </a:xfrm>
           <a:prstGeom prst="bentConnector3">
             <a:avLst>
-              <a:gd name="adj1" fmla="val 50000"/>
+              <a:gd name="adj1" fmla="val 83035"/>
             </a:avLst>
           </a:prstGeom>
           <a:ln>
@@ -4871,19 +4769,19 @@
         <p:nvCxnSpPr>
           <p:cNvPr id="62" name="カギ線コネクタ 61"/>
           <p:cNvCxnSpPr>
-            <a:stCxn id="17" idx="0"/>
+            <a:stCxn id="8" idx="0"/>
             <a:endCxn id="55" idx="2"/>
           </p:cNvCxnSpPr>
           <p:nvPr/>
         </p:nvCxnSpPr>
         <p:spPr>
           <a:xfrm rot="5400000" flipH="1" flipV="1">
-            <a:off x="7126686" y="638066"/>
-            <a:ext cx="409178" cy="1321591"/>
+            <a:off x="5472039" y="35091"/>
+            <a:ext cx="1460851" cy="3579214"/>
           </a:xfrm>
           <a:prstGeom prst="bentConnector3">
             <a:avLst>
-              <a:gd name="adj1" fmla="val 50000"/>
+              <a:gd name="adj1" fmla="val 72602"/>
             </a:avLst>
           </a:prstGeom>
           <a:ln>
@@ -4910,19 +4808,19 @@
         <p:nvCxnSpPr>
           <p:cNvPr id="65" name="カギ線コネクタ 64"/>
           <p:cNvCxnSpPr>
-            <a:stCxn id="17" idx="6"/>
-            <a:endCxn id="49" idx="1"/>
+            <a:stCxn id="8" idx="0"/>
+            <a:endCxn id="49" idx="0"/>
           </p:cNvCxnSpPr>
           <p:nvPr/>
         </p:nvCxnSpPr>
         <p:spPr>
-          <a:xfrm>
-            <a:off x="6976480" y="1809450"/>
-            <a:ext cx="714839" cy="108012"/>
+          <a:xfrm rot="5400000" flipH="1" flipV="1">
+            <a:off x="5973329" y="536381"/>
+            <a:ext cx="458271" cy="3579214"/>
           </a:xfrm>
           <a:prstGeom prst="bentConnector3">
             <a:avLst>
-              <a:gd name="adj1" fmla="val 37564"/>
+              <a:gd name="adj1" fmla="val 199766"/>
             </a:avLst>
           </a:prstGeom>
           <a:ln>
@@ -5429,6 +5327,126 @@
           </a:p>
         </p:txBody>
       </p:sp>
+      <p:cxnSp>
+        <p:nvCxnSpPr>
+          <p:cNvPr id="57" name="カギ線コネクタ 56"/>
+          <p:cNvCxnSpPr>
+            <a:stCxn id="37" idx="3"/>
+            <a:endCxn id="55" idx="1"/>
+          </p:cNvCxnSpPr>
+          <p:nvPr/>
+        </p:nvCxnSpPr>
+        <p:spPr>
+          <a:xfrm>
+            <a:off x="7089183" y="878248"/>
+            <a:ext cx="602136" cy="12700"/>
+          </a:xfrm>
+          <a:prstGeom prst="bentConnector3">
+            <a:avLst>
+              <a:gd name="adj1" fmla="val 50000"/>
+            </a:avLst>
+          </a:prstGeom>
+          <a:ln>
+            <a:headEnd type="triangle"/>
+            <a:tailEnd type="triangle"/>
+          </a:ln>
+          <a:effectLst/>
+        </p:spPr>
+        <p:style>
+          <a:lnRef idx="3">
+            <a:schemeClr val="accent3"/>
+          </a:lnRef>
+          <a:fillRef idx="0">
+            <a:schemeClr val="accent3"/>
+          </a:fillRef>
+          <a:effectRef idx="2">
+            <a:schemeClr val="accent3"/>
+          </a:effectRef>
+          <a:fontRef idx="minor">
+            <a:schemeClr val="tx1"/>
+          </a:fontRef>
+        </p:style>
+      </p:cxnSp>
+      <p:cxnSp>
+        <p:nvCxnSpPr>
+          <p:cNvPr id="58" name="カギ線コネクタ 57"/>
+          <p:cNvCxnSpPr>
+            <a:stCxn id="55" idx="3"/>
+            <a:endCxn id="49" idx="3"/>
+          </p:cNvCxnSpPr>
+          <p:nvPr/>
+        </p:nvCxnSpPr>
+        <p:spPr>
+          <a:xfrm>
+            <a:off x="8292823" y="878248"/>
+            <a:ext cx="12700" cy="1434628"/>
+          </a:xfrm>
+          <a:prstGeom prst="bentConnector3">
+            <a:avLst>
+              <a:gd name="adj1" fmla="val 1800000"/>
+            </a:avLst>
+          </a:prstGeom>
+          <a:ln>
+            <a:headEnd type="triangle"/>
+            <a:tailEnd type="triangle"/>
+          </a:ln>
+          <a:effectLst/>
+        </p:spPr>
+        <p:style>
+          <a:lnRef idx="3">
+            <a:schemeClr val="accent3"/>
+          </a:lnRef>
+          <a:fillRef idx="0">
+            <a:schemeClr val="accent3"/>
+          </a:fillRef>
+          <a:effectRef idx="2">
+            <a:schemeClr val="accent3"/>
+          </a:effectRef>
+          <a:fontRef idx="minor">
+            <a:schemeClr val="tx1"/>
+          </a:fontRef>
+        </p:style>
+      </p:cxnSp>
+      <p:cxnSp>
+        <p:nvCxnSpPr>
+          <p:cNvPr id="59" name="カギ線コネクタ 58"/>
+          <p:cNvCxnSpPr>
+            <a:stCxn id="37" idx="1"/>
+            <a:endCxn id="49" idx="1"/>
+          </p:cNvCxnSpPr>
+          <p:nvPr/>
+        </p:nvCxnSpPr>
+        <p:spPr>
+          <a:xfrm rot="10800000" flipH="1" flipV="1">
+            <a:off x="6487679" y="878248"/>
+            <a:ext cx="1203640" cy="1434628"/>
+          </a:xfrm>
+          <a:prstGeom prst="bentConnector3">
+            <a:avLst>
+              <a:gd name="adj1" fmla="val -18992"/>
+            </a:avLst>
+          </a:prstGeom>
+          <a:ln>
+            <a:headEnd type="triangle"/>
+            <a:tailEnd type="triangle"/>
+          </a:ln>
+          <a:effectLst/>
+        </p:spPr>
+        <p:style>
+          <a:lnRef idx="3">
+            <a:schemeClr val="accent3"/>
+          </a:lnRef>
+          <a:fillRef idx="0">
+            <a:schemeClr val="accent3"/>
+          </a:fillRef>
+          <a:effectRef idx="2">
+            <a:schemeClr val="accent3"/>
+          </a:effectRef>
+          <a:fontRef idx="minor">
+            <a:schemeClr val="tx1"/>
+          </a:fontRef>
+        </p:style>
+      </p:cxnSp>
     </p:spTree>
     <p:extLst>
       <p:ext uri="{BB962C8B-B14F-4D97-AF65-F5344CB8AC3E}">

--- a/docs/images/k8s-ecosystem-k8s-cluster/architecture.pptx
+++ b/docs/images/k8s-ecosystem-k8s-cluster/architecture.pptx
@@ -288,7 +288,7 @@
           <a:p>
             <a:fld id="{388BD72A-C37C-489F-BE19-E9D8AEBBA5DC}" type="datetimeFigureOut">
               <a:rPr kumimoji="1" lang="ja-JP" altLang="en-US" smtClean="0"/>
-              <a:t>2019/6/24</a:t>
+              <a:t>2019/7/26</a:t>
             </a:fld>
             <a:endParaRPr kumimoji="1" lang="ja-JP" altLang="en-US"/>
           </a:p>
@@ -490,7 +490,7 @@
           <a:p>
             <a:fld id="{388BD72A-C37C-489F-BE19-E9D8AEBBA5DC}" type="datetimeFigureOut">
               <a:rPr kumimoji="1" lang="ja-JP" altLang="en-US" smtClean="0"/>
-              <a:t>2019/6/24</a:t>
+              <a:t>2019/7/26</a:t>
             </a:fld>
             <a:endParaRPr kumimoji="1" lang="ja-JP" altLang="en-US"/>
           </a:p>
@@ -702,7 +702,7 @@
           <a:p>
             <a:fld id="{388BD72A-C37C-489F-BE19-E9D8AEBBA5DC}" type="datetimeFigureOut">
               <a:rPr kumimoji="1" lang="ja-JP" altLang="en-US" smtClean="0"/>
-              <a:t>2019/6/24</a:t>
+              <a:t>2019/7/26</a:t>
             </a:fld>
             <a:endParaRPr kumimoji="1" lang="ja-JP" altLang="en-US"/>
           </a:p>
@@ -904,7 +904,7 @@
           <a:p>
             <a:fld id="{388BD72A-C37C-489F-BE19-E9D8AEBBA5DC}" type="datetimeFigureOut">
               <a:rPr kumimoji="1" lang="ja-JP" altLang="en-US" smtClean="0"/>
-              <a:t>2019/6/24</a:t>
+              <a:t>2019/7/26</a:t>
             </a:fld>
             <a:endParaRPr kumimoji="1" lang="ja-JP" altLang="en-US"/>
           </a:p>
@@ -1150,7 +1150,7 @@
           <a:p>
             <a:fld id="{388BD72A-C37C-489F-BE19-E9D8AEBBA5DC}" type="datetimeFigureOut">
               <a:rPr kumimoji="1" lang="ja-JP" altLang="en-US" smtClean="0"/>
-              <a:t>2019/6/24</a:t>
+              <a:t>2019/7/26</a:t>
             </a:fld>
             <a:endParaRPr kumimoji="1" lang="ja-JP" altLang="en-US"/>
           </a:p>
@@ -1502,7 +1502,7 @@
           <a:p>
             <a:fld id="{388BD72A-C37C-489F-BE19-E9D8AEBBA5DC}" type="datetimeFigureOut">
               <a:rPr kumimoji="1" lang="ja-JP" altLang="en-US" smtClean="0"/>
-              <a:t>2019/6/24</a:t>
+              <a:t>2019/7/26</a:t>
             </a:fld>
             <a:endParaRPr kumimoji="1" lang="ja-JP" altLang="en-US"/>
           </a:p>
@@ -1988,7 +1988,7 @@
           <a:p>
             <a:fld id="{388BD72A-C37C-489F-BE19-E9D8AEBBA5DC}" type="datetimeFigureOut">
               <a:rPr kumimoji="1" lang="ja-JP" altLang="en-US" smtClean="0"/>
-              <a:t>2019/6/24</a:t>
+              <a:t>2019/7/26</a:t>
             </a:fld>
             <a:endParaRPr kumimoji="1" lang="ja-JP" altLang="en-US"/>
           </a:p>
@@ -2106,7 +2106,7 @@
           <a:p>
             <a:fld id="{388BD72A-C37C-489F-BE19-E9D8AEBBA5DC}" type="datetimeFigureOut">
               <a:rPr kumimoji="1" lang="ja-JP" altLang="en-US" smtClean="0"/>
-              <a:t>2019/6/24</a:t>
+              <a:t>2019/7/26</a:t>
             </a:fld>
             <a:endParaRPr kumimoji="1" lang="ja-JP" altLang="en-US"/>
           </a:p>
@@ -2201,7 +2201,7 @@
           <a:p>
             <a:fld id="{388BD72A-C37C-489F-BE19-E9D8AEBBA5DC}" type="datetimeFigureOut">
               <a:rPr kumimoji="1" lang="ja-JP" altLang="en-US" smtClean="0"/>
-              <a:t>2019/6/24</a:t>
+              <a:t>2019/7/26</a:t>
             </a:fld>
             <a:endParaRPr kumimoji="1" lang="ja-JP" altLang="en-US"/>
           </a:p>
@@ -2510,7 +2510,7 @@
           <a:p>
             <a:fld id="{388BD72A-C37C-489F-BE19-E9D8AEBBA5DC}" type="datetimeFigureOut">
               <a:rPr kumimoji="1" lang="ja-JP" altLang="en-US" smtClean="0"/>
-              <a:t>2019/6/24</a:t>
+              <a:t>2019/7/26</a:t>
             </a:fld>
             <a:endParaRPr kumimoji="1" lang="ja-JP" altLang="en-US"/>
           </a:p>
@@ -2763,7 +2763,7 @@
           <a:p>
             <a:fld id="{388BD72A-C37C-489F-BE19-E9D8AEBBA5DC}" type="datetimeFigureOut">
               <a:rPr kumimoji="1" lang="ja-JP" altLang="en-US" smtClean="0"/>
-              <a:t>2019/6/24</a:t>
+              <a:t>2019/7/26</a:t>
             </a:fld>
             <a:endParaRPr kumimoji="1" lang="ja-JP" altLang="en-US"/>
           </a:p>
@@ -3008,7 +3008,7 @@
           <a:p>
             <a:fld id="{388BD72A-C37C-489F-BE19-E9D8AEBBA5DC}" type="datetimeFigureOut">
               <a:rPr kumimoji="1" lang="ja-JP" altLang="en-US" smtClean="0"/>
-              <a:t>2019/6/24</a:t>
+              <a:t>2019/7/26</a:t>
             </a:fld>
             <a:endParaRPr kumimoji="1" lang="ja-JP" altLang="en-US"/>
           </a:p>
@@ -5319,7 +5319,7 @@
               <a:rPr kumimoji="1" lang="en-US" altLang="ja-JP" sz="1600" dirty="0" err="1" smtClean="0">
                 <a:latin typeface="Impact" panose="020B0806030902050204" pitchFamily="34" charset="0"/>
               </a:rPr>
-              <a:t>kubelet</a:t>
+              <a:t>kubectl</a:t>
             </a:r>
             <a:endParaRPr kumimoji="1" lang="ja-JP" altLang="en-US" sz="1600" dirty="0">
               <a:latin typeface="Impact" panose="020B0806030902050204" pitchFamily="34" charset="0"/>
